--- a/ppt/2016182037-스크립트언어 3차발표.pptx
+++ b/ppt/2016182037-스크립트언어 3차발표.pptx
@@ -3874,10 +3874,10 @@
       </p:sp>
       <p:grpSp>
         <p:nvGrpSpPr>
-          <p:cNvPr id="4" name="그룹 3">
-            <a:extLst>
-              <a:ext uri="{FF2B5EF4-FFF2-40B4-BE49-F238E27FC236}">
-                <a16:creationId xmlns:a16="http://schemas.microsoft.com/office/drawing/2014/main" id="{8E46EF54-728F-470C-8F68-5BE789B11256}"/>
+          <p:cNvPr id="5" name="그룹 4">
+            <a:extLst>
+              <a:ext uri="{FF2B5EF4-FFF2-40B4-BE49-F238E27FC236}">
+                <a16:creationId xmlns:a16="http://schemas.microsoft.com/office/drawing/2014/main" id="{394A0FB4-712A-4762-9196-F64B3B2673E5}"/>
               </a:ext>
             </a:extLst>
           </p:cNvPr>
@@ -3886,10 +3886,10 @@
         </p:nvGrpSpPr>
         <p:grpSpPr>
           <a:xfrm>
-            <a:off x="3040912" y="2149427"/>
-            <a:ext cx="7242703" cy="4056859"/>
-            <a:chOff x="3026547" y="2047527"/>
-            <a:chExt cx="7863123" cy="4593044"/>
+            <a:off x="2923954" y="1983716"/>
+            <a:ext cx="7242703" cy="4143282"/>
+            <a:chOff x="3040912" y="2149427"/>
+            <a:chExt cx="7242703" cy="4143282"/>
           </a:xfrm>
         </p:grpSpPr>
         <p:grpSp>
@@ -3906,8 +3906,8 @@
           </p:nvGrpSpPr>
           <p:grpSpPr>
             <a:xfrm>
-              <a:off x="3026547" y="5042753"/>
-              <a:ext cx="5808730" cy="707886"/>
+              <a:off x="3040912" y="4794995"/>
+              <a:ext cx="5350407" cy="625248"/>
               <a:chOff x="3580864" y="2460210"/>
               <a:chExt cx="4147991" cy="707886"/>
             </a:xfrm>
@@ -4012,8 +4012,8 @@
           </p:nvGrpSpPr>
           <p:grpSpPr>
             <a:xfrm>
-              <a:off x="3026547" y="3053259"/>
-              <a:ext cx="7441232" cy="707886"/>
+              <a:off x="3040912" y="3037751"/>
+              <a:ext cx="6854100" cy="625248"/>
               <a:chOff x="3580864" y="2474150"/>
               <a:chExt cx="5313754" cy="707886"/>
             </a:xfrm>
@@ -4106,8 +4106,8 @@
           </p:nvGrpSpPr>
           <p:grpSpPr>
             <a:xfrm>
-              <a:off x="3026547" y="4054976"/>
-              <a:ext cx="7863123" cy="707886"/>
+              <a:off x="3040912" y="3922529"/>
+              <a:ext cx="7242703" cy="625248"/>
               <a:chOff x="3580864" y="2474150"/>
               <a:chExt cx="5615025" cy="707886"/>
             </a:xfrm>
@@ -4200,8 +4200,8 @@
           </p:nvGrpSpPr>
           <p:grpSpPr>
             <a:xfrm>
-              <a:off x="3026547" y="2047527"/>
-              <a:ext cx="6897990" cy="707886"/>
+              <a:off x="3040912" y="2149427"/>
+              <a:ext cx="6353721" cy="625248"/>
               <a:chOff x="3580864" y="2474150"/>
               <a:chExt cx="4925827" cy="707886"/>
             </a:xfrm>
@@ -4294,8 +4294,8 @@
           </p:nvGrpSpPr>
           <p:grpSpPr>
             <a:xfrm>
-              <a:off x="3026547" y="5932685"/>
-              <a:ext cx="7441232" cy="707886"/>
+              <a:off x="3040912" y="5667461"/>
+              <a:ext cx="6854100" cy="625248"/>
               <a:chOff x="3580864" y="2474150"/>
               <a:chExt cx="5313754" cy="707886"/>
             </a:xfrm>
@@ -8982,6 +8982,42 @@
           </a:p>
         </p:txBody>
       </p:sp>
+      <p:pic>
+        <p:nvPicPr>
+          <p:cNvPr id="3" name="그림 2" descr="스크린샷이(가) 표시된 사진&#10;&#10;매우 높은 신뢰도로 생성된 설명">
+            <a:extLst>
+              <a:ext uri="{FF2B5EF4-FFF2-40B4-BE49-F238E27FC236}">
+                <a16:creationId xmlns:a16="http://schemas.microsoft.com/office/drawing/2014/main" id="{81CAEC76-8196-46CD-A72B-BED840A98E09}"/>
+              </a:ext>
+            </a:extLst>
+          </p:cNvPr>
+          <p:cNvPicPr>
+            <a:picLocks noChangeAspect="1"/>
+          </p:cNvPicPr>
+          <p:nvPr/>
+        </p:nvPicPr>
+        <p:blipFill>
+          <a:blip r:embed="rId3">
+            <a:extLst>
+              <a:ext uri="{28A0092B-C50C-407E-A947-70E740481C1C}">
+                <a14:useLocalDpi xmlns:a14="http://schemas.microsoft.com/office/drawing/2010/main" val="0"/>
+              </a:ext>
+            </a:extLst>
+          </a:blip>
+          <a:stretch>
+            <a:fillRect/>
+          </a:stretch>
+        </p:blipFill>
+        <p:spPr>
+          <a:xfrm>
+            <a:off x="1874874" y="1414499"/>
+            <a:ext cx="8442251" cy="4965404"/>
+          </a:xfrm>
+          <a:prstGeom prst="rect">
+            <a:avLst/>
+          </a:prstGeom>
+        </p:spPr>
+      </p:pic>
     </p:spTree>
     <p:extLst>
       <p:ext uri="{BB962C8B-B14F-4D97-AF65-F5344CB8AC3E}">

--- a/ppt/2016182037-스크립트언어 3차발표.pptx
+++ b/ppt/2016182037-스크립트언어 3차발표.pptx
@@ -266,7 +266,7 @@
           <a:p>
             <a:fld id="{CB5A8A7A-341F-42CE-8A49-18A9920D761A}" type="datetimeFigureOut">
               <a:rPr lang="ko-KR" altLang="en-US" smtClean="0"/>
-              <a:t>2018-06-17</a:t>
+              <a:t>2018-06-18</a:t>
             </a:fld>
             <a:endParaRPr lang="ko-KR" altLang="en-US"/>
           </a:p>
@@ -464,7 +464,7 @@
           <a:p>
             <a:fld id="{CB5A8A7A-341F-42CE-8A49-18A9920D761A}" type="datetimeFigureOut">
               <a:rPr lang="ko-KR" altLang="en-US" smtClean="0"/>
-              <a:t>2018-06-17</a:t>
+              <a:t>2018-06-18</a:t>
             </a:fld>
             <a:endParaRPr lang="ko-KR" altLang="en-US"/>
           </a:p>
@@ -672,7 +672,7 @@
           <a:p>
             <a:fld id="{CB5A8A7A-341F-42CE-8A49-18A9920D761A}" type="datetimeFigureOut">
               <a:rPr lang="ko-KR" altLang="en-US" smtClean="0"/>
-              <a:t>2018-06-17</a:t>
+              <a:t>2018-06-18</a:t>
             </a:fld>
             <a:endParaRPr lang="ko-KR" altLang="en-US"/>
           </a:p>
@@ -870,7 +870,7 @@
           <a:p>
             <a:fld id="{CB5A8A7A-341F-42CE-8A49-18A9920D761A}" type="datetimeFigureOut">
               <a:rPr lang="ko-KR" altLang="en-US" smtClean="0"/>
-              <a:t>2018-06-17</a:t>
+              <a:t>2018-06-18</a:t>
             </a:fld>
             <a:endParaRPr lang="ko-KR" altLang="en-US"/>
           </a:p>
@@ -1145,7 +1145,7 @@
           <a:p>
             <a:fld id="{CB5A8A7A-341F-42CE-8A49-18A9920D761A}" type="datetimeFigureOut">
               <a:rPr lang="ko-KR" altLang="en-US" smtClean="0"/>
-              <a:t>2018-06-17</a:t>
+              <a:t>2018-06-18</a:t>
             </a:fld>
             <a:endParaRPr lang="ko-KR" altLang="en-US"/>
           </a:p>
@@ -1410,7 +1410,7 @@
           <a:p>
             <a:fld id="{CB5A8A7A-341F-42CE-8A49-18A9920D761A}" type="datetimeFigureOut">
               <a:rPr lang="ko-KR" altLang="en-US" smtClean="0"/>
-              <a:t>2018-06-17</a:t>
+              <a:t>2018-06-18</a:t>
             </a:fld>
             <a:endParaRPr lang="ko-KR" altLang="en-US"/>
           </a:p>
@@ -1822,7 +1822,7 @@
           <a:p>
             <a:fld id="{CB5A8A7A-341F-42CE-8A49-18A9920D761A}" type="datetimeFigureOut">
               <a:rPr lang="ko-KR" altLang="en-US" smtClean="0"/>
-              <a:t>2018-06-17</a:t>
+              <a:t>2018-06-18</a:t>
             </a:fld>
             <a:endParaRPr lang="ko-KR" altLang="en-US"/>
           </a:p>
@@ -1963,7 +1963,7 @@
           <a:p>
             <a:fld id="{CB5A8A7A-341F-42CE-8A49-18A9920D761A}" type="datetimeFigureOut">
               <a:rPr lang="ko-KR" altLang="en-US" smtClean="0"/>
-              <a:t>2018-06-17</a:t>
+              <a:t>2018-06-18</a:t>
             </a:fld>
             <a:endParaRPr lang="ko-KR" altLang="en-US"/>
           </a:p>
@@ -2076,7 +2076,7 @@
           <a:p>
             <a:fld id="{CB5A8A7A-341F-42CE-8A49-18A9920D761A}" type="datetimeFigureOut">
               <a:rPr lang="ko-KR" altLang="en-US" smtClean="0"/>
-              <a:t>2018-06-17</a:t>
+              <a:t>2018-06-18</a:t>
             </a:fld>
             <a:endParaRPr lang="ko-KR" altLang="en-US"/>
           </a:p>
@@ -2387,7 +2387,7 @@
           <a:p>
             <a:fld id="{CB5A8A7A-341F-42CE-8A49-18A9920D761A}" type="datetimeFigureOut">
               <a:rPr lang="ko-KR" altLang="en-US" smtClean="0"/>
-              <a:t>2018-06-17</a:t>
+              <a:t>2018-06-18</a:t>
             </a:fld>
             <a:endParaRPr lang="ko-KR" altLang="en-US"/>
           </a:p>
@@ -2675,7 +2675,7 @@
           <a:p>
             <a:fld id="{CB5A8A7A-341F-42CE-8A49-18A9920D761A}" type="datetimeFigureOut">
               <a:rPr lang="ko-KR" altLang="en-US" smtClean="0"/>
-              <a:t>2018-06-17</a:t>
+              <a:t>2018-06-18</a:t>
             </a:fld>
             <a:endParaRPr lang="ko-KR" altLang="en-US"/>
           </a:p>
@@ -2916,7 +2916,7 @@
           <a:p>
             <a:fld id="{CB5A8A7A-341F-42CE-8A49-18A9920D761A}" type="datetimeFigureOut">
               <a:rPr lang="ko-KR" altLang="en-US" smtClean="0"/>
-              <a:t>2018-06-17</a:t>
+              <a:t>2018-06-18</a:t>
             </a:fld>
             <a:endParaRPr lang="ko-KR" altLang="en-US"/>
           </a:p>
@@ -5575,126 +5575,6 @@
       </p:grpSp>
       <p:grpSp>
         <p:nvGrpSpPr>
-          <p:cNvPr id="13" name="그룹 12">
-            <a:extLst>
-              <a:ext uri="{FF2B5EF4-FFF2-40B4-BE49-F238E27FC236}">
-                <a16:creationId xmlns:a16="http://schemas.microsoft.com/office/drawing/2014/main" id="{C6089FDD-4598-4298-A559-C6E7A3D9D3CC}"/>
-              </a:ext>
-            </a:extLst>
-          </p:cNvPr>
-          <p:cNvGrpSpPr/>
-          <p:nvPr/>
-        </p:nvGrpSpPr>
-        <p:grpSpPr>
-          <a:xfrm>
-            <a:off x="6242004" y="4804481"/>
-            <a:ext cx="5677019" cy="559513"/>
-            <a:chOff x="1059602" y="4962175"/>
-            <a:chExt cx="6593912" cy="679386"/>
-          </a:xfrm>
-        </p:grpSpPr>
-        <p:sp>
-          <p:nvSpPr>
-            <p:cNvPr id="32" name="TextBox 31">
-              <a:extLst>
-                <a:ext uri="{FF2B5EF4-FFF2-40B4-BE49-F238E27FC236}">
-                  <a16:creationId xmlns:a16="http://schemas.microsoft.com/office/drawing/2014/main" id="{9E9F450D-6ED8-4C99-862B-7DBB0A313179}"/>
-                </a:ext>
-              </a:extLst>
-            </p:cNvPr>
-            <p:cNvSpPr txBox="1"/>
-            <p:nvPr/>
-          </p:nvSpPr>
-          <p:spPr>
-            <a:xfrm>
-              <a:off x="1928739" y="4980107"/>
-              <a:ext cx="5724775" cy="579261"/>
-            </a:xfrm>
-            <a:prstGeom prst="rect">
-              <a:avLst/>
-            </a:prstGeom>
-            <a:noFill/>
-          </p:spPr>
-          <p:txBody>
-            <a:bodyPr wrap="square" rtlCol="0">
-              <a:spAutoFit/>
-            </a:bodyPr>
-            <a:lstStyle/>
-            <a:p>
-              <a:r>
-                <a:rPr lang="en-US" altLang="ko-KR" sz="2500" b="1" dirty="0" err="1">
-                  <a:latin typeface="함초롬돋움" panose="020B0604000101010101" pitchFamily="50" charset="-127"/>
-                  <a:ea typeface="함초롬돋움" panose="020B0604000101010101" pitchFamily="50" charset="-127"/>
-                  <a:cs typeface="함초롬돋움" panose="020B0604000101010101" pitchFamily="50" charset="-127"/>
-                </a:rPr>
-                <a:t>Tkinter</a:t>
-              </a:r>
-              <a:r>
-                <a:rPr lang="ko-KR" altLang="en-US" sz="2500" b="1" dirty="0">
-                  <a:latin typeface="함초롬돋움" panose="020B0604000101010101" pitchFamily="50" charset="-127"/>
-                  <a:ea typeface="함초롬돋움" panose="020B0604000101010101" pitchFamily="50" charset="-127"/>
-                  <a:cs typeface="함초롬돋움" panose="020B0604000101010101" pitchFamily="50" charset="-127"/>
-                </a:rPr>
-                <a:t>를 통한 </a:t>
-              </a:r>
-              <a:r>
-                <a:rPr lang="en-US" altLang="ko-KR" sz="2500" b="1" dirty="0">
-                  <a:latin typeface="함초롬돋움" panose="020B0604000101010101" pitchFamily="50" charset="-127"/>
-                  <a:ea typeface="함초롬돋움" panose="020B0604000101010101" pitchFamily="50" charset="-127"/>
-                  <a:cs typeface="함초롬돋움" panose="020B0604000101010101" pitchFamily="50" charset="-127"/>
-                </a:rPr>
-                <a:t>GUI </a:t>
-              </a:r>
-              <a:r>
-                <a:rPr lang="ko-KR" altLang="en-US" sz="2500" b="1" dirty="0">
-                  <a:latin typeface="함초롬돋움" panose="020B0604000101010101" pitchFamily="50" charset="-127"/>
-                  <a:ea typeface="함초롬돋움" panose="020B0604000101010101" pitchFamily="50" charset="-127"/>
-                  <a:cs typeface="함초롬돋움" panose="020B0604000101010101" pitchFamily="50" charset="-127"/>
-                </a:rPr>
-                <a:t>구현</a:t>
-              </a:r>
-            </a:p>
-          </p:txBody>
-        </p:sp>
-        <p:pic>
-          <p:nvPicPr>
-            <p:cNvPr id="12" name="그림 11" descr="개체이(가) 표시된 사진&#10;&#10;높은 신뢰도로 생성된 설명">
-              <a:extLst>
-                <a:ext uri="{FF2B5EF4-FFF2-40B4-BE49-F238E27FC236}">
-                  <a16:creationId xmlns:a16="http://schemas.microsoft.com/office/drawing/2014/main" id="{92252455-3ED6-45D8-A066-B66322D1F1B7}"/>
-                </a:ext>
-              </a:extLst>
-            </p:cNvPr>
-            <p:cNvPicPr>
-              <a:picLocks noChangeAspect="1"/>
-            </p:cNvPicPr>
-            <p:nvPr/>
-          </p:nvPicPr>
-          <p:blipFill>
-            <a:blip r:embed="rId7">
-              <a:extLst>
-                <a:ext uri="{28A0092B-C50C-407E-A947-70E740481C1C}">
-                  <a14:useLocalDpi xmlns:a14="http://schemas.microsoft.com/office/drawing/2010/main" val="0"/>
-                </a:ext>
-              </a:extLst>
-            </a:blip>
-            <a:stretch>
-              <a:fillRect/>
-            </a:stretch>
-          </p:blipFill>
-          <p:spPr>
-            <a:xfrm>
-              <a:off x="1059602" y="4962175"/>
-              <a:ext cx="792617" cy="679386"/>
-            </a:xfrm>
-            <a:prstGeom prst="rect">
-              <a:avLst/>
-            </a:prstGeom>
-          </p:spPr>
-        </p:pic>
-      </p:grpSp>
-      <p:grpSp>
-        <p:nvGrpSpPr>
           <p:cNvPr id="10" name="그룹 9">
             <a:extLst>
               <a:ext uri="{FF2B5EF4-FFF2-40B4-BE49-F238E27FC236}">
@@ -5728,7 +5608,7 @@
             <p:nvPr/>
           </p:nvPicPr>
           <p:blipFill>
-            <a:blip r:embed="rId8">
+            <a:blip r:embed="rId7">
               <a:extLst>
                 <a:ext uri="{28A0092B-C50C-407E-A947-70E740481C1C}">
                   <a14:useLocalDpi xmlns:a14="http://schemas.microsoft.com/office/drawing/2010/main" val="0"/>
@@ -5807,10 +5687,10 @@
       </p:grpSp>
       <p:grpSp>
         <p:nvGrpSpPr>
-          <p:cNvPr id="45" name="그룹 44">
-            <a:extLst>
-              <a:ext uri="{FF2B5EF4-FFF2-40B4-BE49-F238E27FC236}">
-                <a16:creationId xmlns:a16="http://schemas.microsoft.com/office/drawing/2014/main" id="{F899E1C5-B9C0-4C2C-956E-29C329AE579A}"/>
+          <p:cNvPr id="2" name="그룹 1">
+            <a:extLst>
+              <a:ext uri="{FF2B5EF4-FFF2-40B4-BE49-F238E27FC236}">
+                <a16:creationId xmlns:a16="http://schemas.microsoft.com/office/drawing/2014/main" id="{ADA57749-377A-4D06-A472-D73C0F51AA80}"/>
               </a:ext>
             </a:extLst>
           </p:cNvPr>
@@ -5819,327 +5699,468 @@
         </p:nvGrpSpPr>
         <p:grpSpPr>
           <a:xfrm>
-            <a:off x="6311544" y="2088170"/>
-            <a:ext cx="4539749" cy="523269"/>
-            <a:chOff x="3086026" y="1738225"/>
-            <a:chExt cx="5628989" cy="619502"/>
+            <a:off x="6514981" y="1837934"/>
+            <a:ext cx="5677019" cy="3275824"/>
+            <a:chOff x="6242004" y="2088170"/>
+            <a:chExt cx="5677019" cy="3275824"/>
           </a:xfrm>
         </p:grpSpPr>
-        <p:sp>
-          <p:nvSpPr>
-            <p:cNvPr id="52" name="TextBox 51">
+        <p:grpSp>
+          <p:nvGrpSpPr>
+            <p:cNvPr id="13" name="그룹 12">
               <a:extLst>
                 <a:ext uri="{FF2B5EF4-FFF2-40B4-BE49-F238E27FC236}">
-                  <a16:creationId xmlns:a16="http://schemas.microsoft.com/office/drawing/2014/main" id="{DB778EE4-7E05-456B-9C22-569127DED477}"/>
+                  <a16:creationId xmlns:a16="http://schemas.microsoft.com/office/drawing/2014/main" id="{C6089FDD-4598-4298-A559-C6E7A3D9D3CC}"/>
                 </a:ext>
               </a:extLst>
             </p:cNvPr>
-            <p:cNvSpPr txBox="1"/>
+            <p:cNvGrpSpPr/>
             <p:nvPr/>
-          </p:nvSpPr>
-          <p:spPr>
+          </p:nvGrpSpPr>
+          <p:grpSpPr>
             <a:xfrm>
-              <a:off x="3690331" y="1738225"/>
-              <a:ext cx="5024684" cy="564788"/>
+              <a:off x="6242004" y="4804481"/>
+              <a:ext cx="5677019" cy="559513"/>
+              <a:chOff x="1059602" y="4962175"/>
+              <a:chExt cx="6593912" cy="679386"/>
             </a:xfrm>
-            <a:prstGeom prst="rect">
-              <a:avLst/>
-            </a:prstGeom>
-            <a:noFill/>
-          </p:spPr>
-          <p:txBody>
-            <a:bodyPr wrap="square" rtlCol="0">
-              <a:spAutoFit/>
-            </a:bodyPr>
-            <a:lstStyle/>
-            <a:p>
-              <a:r>
-                <a:rPr lang="ko-KR" altLang="en-US" sz="2500" b="1" dirty="0">
-                  <a:latin typeface="함초롬돋움" panose="020B0604000101010101" pitchFamily="50" charset="-127"/>
-                  <a:ea typeface="함초롬돋움" panose="020B0604000101010101" pitchFamily="50" charset="-127"/>
-                  <a:cs typeface="함초롬돋움" panose="020B0604000101010101" pitchFamily="50" charset="-127"/>
-                </a:rPr>
-                <a:t>  </a:t>
-              </a:r>
-              <a:r>
-                <a:rPr lang="ko-KR" altLang="en-US" sz="2500" b="1" dirty="0" err="1">
-                  <a:latin typeface="함초롬돋움" panose="020B0604000101010101" pitchFamily="50" charset="-127"/>
-                  <a:ea typeface="함초롬돋움" panose="020B0604000101010101" pitchFamily="50" charset="-127"/>
-                  <a:cs typeface="함초롬돋움" panose="020B0604000101010101" pitchFamily="50" charset="-127"/>
-                </a:rPr>
-                <a:t>북마크</a:t>
-              </a:r>
-              <a:r>
-                <a:rPr lang="ko-KR" altLang="en-US" sz="2500" b="1" dirty="0">
-                  <a:latin typeface="함초롬돋움" panose="020B0604000101010101" pitchFamily="50" charset="-127"/>
-                  <a:ea typeface="함초롬돋움" panose="020B0604000101010101" pitchFamily="50" charset="-127"/>
-                  <a:cs typeface="함초롬돋움" panose="020B0604000101010101" pitchFamily="50" charset="-127"/>
-                </a:rPr>
-                <a:t> 메일 전송 기능</a:t>
-              </a:r>
-            </a:p>
-          </p:txBody>
-        </p:sp>
-        <p:pic>
-          <p:nvPicPr>
-            <p:cNvPr id="53" name="그림 52" descr="가구, 테이블이(가) 표시된 사진&#10;&#10;매우 높은 신뢰도로 생성된 설명">
+          </p:grpSpPr>
+          <p:sp>
+            <p:nvSpPr>
+              <p:cNvPr id="32" name="TextBox 31">
+                <a:extLst>
+                  <a:ext uri="{FF2B5EF4-FFF2-40B4-BE49-F238E27FC236}">
+                    <a16:creationId xmlns:a16="http://schemas.microsoft.com/office/drawing/2014/main" id="{9E9F450D-6ED8-4C99-862B-7DBB0A313179}"/>
+                  </a:ext>
+                </a:extLst>
+              </p:cNvPr>
+              <p:cNvSpPr txBox="1"/>
+              <p:nvPr/>
+            </p:nvSpPr>
+            <p:spPr>
+              <a:xfrm>
+                <a:off x="1928739" y="4980107"/>
+                <a:ext cx="5724775" cy="579261"/>
+              </a:xfrm>
+              <a:prstGeom prst="rect">
+                <a:avLst/>
+              </a:prstGeom>
+              <a:noFill/>
+            </p:spPr>
+            <p:txBody>
+              <a:bodyPr wrap="square" rtlCol="0">
+                <a:spAutoFit/>
+              </a:bodyPr>
+              <a:lstStyle/>
+              <a:p>
+                <a:r>
+                  <a:rPr lang="en-US" altLang="ko-KR" sz="2500" b="1" dirty="0" err="1">
+                    <a:latin typeface="함초롬돋움" panose="020B0604000101010101" pitchFamily="50" charset="-127"/>
+                    <a:ea typeface="함초롬돋움" panose="020B0604000101010101" pitchFamily="50" charset="-127"/>
+                    <a:cs typeface="함초롬돋움" panose="020B0604000101010101" pitchFamily="50" charset="-127"/>
+                  </a:rPr>
+                  <a:t>Tkinter</a:t>
+                </a:r>
+                <a:r>
+                  <a:rPr lang="ko-KR" altLang="en-US" sz="2500" b="1" dirty="0">
+                    <a:latin typeface="함초롬돋움" panose="020B0604000101010101" pitchFamily="50" charset="-127"/>
+                    <a:ea typeface="함초롬돋움" panose="020B0604000101010101" pitchFamily="50" charset="-127"/>
+                    <a:cs typeface="함초롬돋움" panose="020B0604000101010101" pitchFamily="50" charset="-127"/>
+                  </a:rPr>
+                  <a:t>를 통한 </a:t>
+                </a:r>
+                <a:r>
+                  <a:rPr lang="en-US" altLang="ko-KR" sz="2500" b="1" dirty="0">
+                    <a:latin typeface="함초롬돋움" panose="020B0604000101010101" pitchFamily="50" charset="-127"/>
+                    <a:ea typeface="함초롬돋움" panose="020B0604000101010101" pitchFamily="50" charset="-127"/>
+                    <a:cs typeface="함초롬돋움" panose="020B0604000101010101" pitchFamily="50" charset="-127"/>
+                  </a:rPr>
+                  <a:t>GUI </a:t>
+                </a:r>
+                <a:r>
+                  <a:rPr lang="ko-KR" altLang="en-US" sz="2500" b="1" dirty="0">
+                    <a:latin typeface="함초롬돋움" panose="020B0604000101010101" pitchFamily="50" charset="-127"/>
+                    <a:ea typeface="함초롬돋움" panose="020B0604000101010101" pitchFamily="50" charset="-127"/>
+                    <a:cs typeface="함초롬돋움" panose="020B0604000101010101" pitchFamily="50" charset="-127"/>
+                  </a:rPr>
+                  <a:t>구현</a:t>
+                </a:r>
+              </a:p>
+            </p:txBody>
+          </p:sp>
+          <p:pic>
+            <p:nvPicPr>
+              <p:cNvPr id="12" name="그림 11" descr="개체이(가) 표시된 사진&#10;&#10;높은 신뢰도로 생성된 설명">
+                <a:extLst>
+                  <a:ext uri="{FF2B5EF4-FFF2-40B4-BE49-F238E27FC236}">
+                    <a16:creationId xmlns:a16="http://schemas.microsoft.com/office/drawing/2014/main" id="{92252455-3ED6-45D8-A066-B66322D1F1B7}"/>
+                  </a:ext>
+                </a:extLst>
+              </p:cNvPr>
+              <p:cNvPicPr>
+                <a:picLocks noChangeAspect="1"/>
+              </p:cNvPicPr>
+              <p:nvPr/>
+            </p:nvPicPr>
+            <p:blipFill>
+              <a:blip r:embed="rId8">
+                <a:extLst>
+                  <a:ext uri="{28A0092B-C50C-407E-A947-70E740481C1C}">
+                    <a14:useLocalDpi xmlns:a14="http://schemas.microsoft.com/office/drawing/2010/main" val="0"/>
+                  </a:ext>
+                </a:extLst>
+              </a:blip>
+              <a:stretch>
+                <a:fillRect/>
+              </a:stretch>
+            </p:blipFill>
+            <p:spPr>
+              <a:xfrm>
+                <a:off x="1059602" y="4962175"/>
+                <a:ext cx="792617" cy="679386"/>
+              </a:xfrm>
+              <a:prstGeom prst="rect">
+                <a:avLst/>
+              </a:prstGeom>
+            </p:spPr>
+          </p:pic>
+        </p:grpSp>
+        <p:grpSp>
+          <p:nvGrpSpPr>
+            <p:cNvPr id="45" name="그룹 44">
               <a:extLst>
                 <a:ext uri="{FF2B5EF4-FFF2-40B4-BE49-F238E27FC236}">
-                  <a16:creationId xmlns:a16="http://schemas.microsoft.com/office/drawing/2014/main" id="{FDCCF016-2543-4EBF-A8F8-D21A406796D9}"/>
+                  <a16:creationId xmlns:a16="http://schemas.microsoft.com/office/drawing/2014/main" id="{F899E1C5-B9C0-4C2C-956E-29C329AE579A}"/>
                 </a:ext>
               </a:extLst>
             </p:cNvPr>
-            <p:cNvPicPr>
-              <a:picLocks noChangeAspect="1"/>
-            </p:cNvPicPr>
+            <p:cNvGrpSpPr/>
             <p:nvPr/>
-          </p:nvPicPr>
-          <p:blipFill>
-            <a:blip r:embed="rId9">
-              <a:extLst>
-                <a:ext uri="{28A0092B-C50C-407E-A947-70E740481C1C}">
-                  <a14:useLocalDpi xmlns:a14="http://schemas.microsoft.com/office/drawing/2010/main" val="0"/>
-                </a:ext>
-              </a:extLst>
-            </a:blip>
-            <a:stretch>
-              <a:fillRect/>
-            </a:stretch>
-          </p:blipFill>
-          <p:spPr>
+          </p:nvGrpSpPr>
+          <p:grpSpPr>
             <a:xfrm>
-              <a:off x="3086026" y="1757727"/>
-              <a:ext cx="590476" cy="600000"/>
+              <a:off x="6311544" y="2088170"/>
+              <a:ext cx="4539749" cy="523269"/>
+              <a:chOff x="3086026" y="1738225"/>
+              <a:chExt cx="5628989" cy="619502"/>
             </a:xfrm>
-            <a:prstGeom prst="rect">
-              <a:avLst/>
-            </a:prstGeom>
-          </p:spPr>
-        </p:pic>
-      </p:grpSp>
-      <p:grpSp>
-        <p:nvGrpSpPr>
-          <p:cNvPr id="46" name="그룹 45">
-            <a:extLst>
-              <a:ext uri="{FF2B5EF4-FFF2-40B4-BE49-F238E27FC236}">
-                <a16:creationId xmlns:a16="http://schemas.microsoft.com/office/drawing/2014/main" id="{B06FE877-692A-4B44-BD94-1B27B7A7A7D7}"/>
-              </a:ext>
-            </a:extLst>
-          </p:cNvPr>
-          <p:cNvGrpSpPr/>
-          <p:nvPr/>
-        </p:nvGrpSpPr>
-        <p:grpSpPr>
-          <a:xfrm>
-            <a:off x="6291434" y="3830573"/>
-            <a:ext cx="4394331" cy="530789"/>
-            <a:chOff x="3048097" y="2530961"/>
-            <a:chExt cx="5448680" cy="628405"/>
-          </a:xfrm>
-        </p:grpSpPr>
-        <p:sp>
-          <p:nvSpPr>
-            <p:cNvPr id="50" name="TextBox 49">
+          </p:grpSpPr>
+          <p:sp>
+            <p:nvSpPr>
+              <p:cNvPr id="52" name="TextBox 51">
+                <a:extLst>
+                  <a:ext uri="{FF2B5EF4-FFF2-40B4-BE49-F238E27FC236}">
+                    <a16:creationId xmlns:a16="http://schemas.microsoft.com/office/drawing/2014/main" id="{DB778EE4-7E05-456B-9C22-569127DED477}"/>
+                  </a:ext>
+                </a:extLst>
+              </p:cNvPr>
+              <p:cNvSpPr txBox="1"/>
+              <p:nvPr/>
+            </p:nvSpPr>
+            <p:spPr>
+              <a:xfrm>
+                <a:off x="3690331" y="1738225"/>
+                <a:ext cx="5024684" cy="564788"/>
+              </a:xfrm>
+              <a:prstGeom prst="rect">
+                <a:avLst/>
+              </a:prstGeom>
+              <a:noFill/>
+            </p:spPr>
+            <p:txBody>
+              <a:bodyPr wrap="square" rtlCol="0">
+                <a:spAutoFit/>
+              </a:bodyPr>
+              <a:lstStyle/>
+              <a:p>
+                <a:r>
+                  <a:rPr lang="ko-KR" altLang="en-US" sz="2500" b="1" dirty="0">
+                    <a:latin typeface="함초롬돋움" panose="020B0604000101010101" pitchFamily="50" charset="-127"/>
+                    <a:ea typeface="함초롬돋움" panose="020B0604000101010101" pitchFamily="50" charset="-127"/>
+                    <a:cs typeface="함초롬돋움" panose="020B0604000101010101" pitchFamily="50" charset="-127"/>
+                  </a:rPr>
+                  <a:t>  </a:t>
+                </a:r>
+                <a:r>
+                  <a:rPr lang="ko-KR" altLang="en-US" sz="2500" b="1" dirty="0" err="1">
+                    <a:latin typeface="함초롬돋움" panose="020B0604000101010101" pitchFamily="50" charset="-127"/>
+                    <a:ea typeface="함초롬돋움" panose="020B0604000101010101" pitchFamily="50" charset="-127"/>
+                    <a:cs typeface="함초롬돋움" panose="020B0604000101010101" pitchFamily="50" charset="-127"/>
+                  </a:rPr>
+                  <a:t>북마크</a:t>
+                </a:r>
+                <a:r>
+                  <a:rPr lang="ko-KR" altLang="en-US" sz="2500" b="1" dirty="0">
+                    <a:latin typeface="함초롬돋움" panose="020B0604000101010101" pitchFamily="50" charset="-127"/>
+                    <a:ea typeface="함초롬돋움" panose="020B0604000101010101" pitchFamily="50" charset="-127"/>
+                    <a:cs typeface="함초롬돋움" panose="020B0604000101010101" pitchFamily="50" charset="-127"/>
+                  </a:rPr>
+                  <a:t> 메일 전송 기능</a:t>
+                </a:r>
+              </a:p>
+            </p:txBody>
+          </p:sp>
+          <p:pic>
+            <p:nvPicPr>
+              <p:cNvPr id="53" name="그림 52" descr="가구, 테이블이(가) 표시된 사진&#10;&#10;매우 높은 신뢰도로 생성된 설명">
+                <a:extLst>
+                  <a:ext uri="{FF2B5EF4-FFF2-40B4-BE49-F238E27FC236}">
+                    <a16:creationId xmlns:a16="http://schemas.microsoft.com/office/drawing/2014/main" id="{FDCCF016-2543-4EBF-A8F8-D21A406796D9}"/>
+                  </a:ext>
+                </a:extLst>
+              </p:cNvPr>
+              <p:cNvPicPr>
+                <a:picLocks noChangeAspect="1"/>
+              </p:cNvPicPr>
+              <p:nvPr/>
+            </p:nvPicPr>
+            <p:blipFill>
+              <a:blip r:embed="rId9">
+                <a:extLst>
+                  <a:ext uri="{28A0092B-C50C-407E-A947-70E740481C1C}">
+                    <a14:useLocalDpi xmlns:a14="http://schemas.microsoft.com/office/drawing/2010/main" val="0"/>
+                  </a:ext>
+                </a:extLst>
+              </a:blip>
+              <a:stretch>
+                <a:fillRect/>
+              </a:stretch>
+            </p:blipFill>
+            <p:spPr>
+              <a:xfrm>
+                <a:off x="3086026" y="1757727"/>
+                <a:ext cx="590476" cy="600000"/>
+              </a:xfrm>
+              <a:prstGeom prst="rect">
+                <a:avLst/>
+              </a:prstGeom>
+            </p:spPr>
+          </p:pic>
+        </p:grpSp>
+        <p:grpSp>
+          <p:nvGrpSpPr>
+            <p:cNvPr id="46" name="그룹 45">
               <a:extLst>
                 <a:ext uri="{FF2B5EF4-FFF2-40B4-BE49-F238E27FC236}">
-                  <a16:creationId xmlns:a16="http://schemas.microsoft.com/office/drawing/2014/main" id="{5B511E38-4426-4F07-AB4A-BC1B8F66EE05}"/>
+                  <a16:creationId xmlns:a16="http://schemas.microsoft.com/office/drawing/2014/main" id="{B06FE877-692A-4B44-BD94-1B27B7A7A7D7}"/>
                 </a:ext>
               </a:extLst>
             </p:cNvPr>
-            <p:cNvSpPr txBox="1"/>
+            <p:cNvGrpSpPr/>
             <p:nvPr/>
-          </p:nvSpPr>
-          <p:spPr>
+          </p:nvGrpSpPr>
+          <p:grpSpPr>
             <a:xfrm>
-              <a:off x="3690331" y="2566050"/>
-              <a:ext cx="4806446" cy="564788"/>
+              <a:off x="6291434" y="3830573"/>
+              <a:ext cx="4394331" cy="530789"/>
+              <a:chOff x="3048097" y="2530961"/>
+              <a:chExt cx="5448680" cy="628405"/>
             </a:xfrm>
-            <a:prstGeom prst="rect">
-              <a:avLst/>
-            </a:prstGeom>
-            <a:noFill/>
-          </p:spPr>
-          <p:txBody>
-            <a:bodyPr wrap="square" rtlCol="0">
-              <a:spAutoFit/>
-            </a:bodyPr>
-            <a:lstStyle/>
-            <a:p>
-              <a:r>
-                <a:rPr lang="ko-KR" altLang="en-US" sz="2500" b="1" dirty="0">
-                  <a:latin typeface="함초롬돋움" panose="020B0604000101010101" pitchFamily="50" charset="-127"/>
-                  <a:ea typeface="함초롬돋움" panose="020B0604000101010101" pitchFamily="50" charset="-127"/>
-                  <a:cs typeface="함초롬돋움" panose="020B0604000101010101" pitchFamily="50" charset="-127"/>
-                </a:rPr>
-                <a:t>  </a:t>
-              </a:r>
-              <a:r>
-                <a:rPr lang="en-US" altLang="ko-KR" sz="2500" b="1" dirty="0">
-                  <a:latin typeface="함초롬돋움" panose="020B0604000101010101" pitchFamily="50" charset="-127"/>
-                  <a:ea typeface="함초롬돋움" panose="020B0604000101010101" pitchFamily="50" charset="-127"/>
-                  <a:cs typeface="함초롬돋움" panose="020B0604000101010101" pitchFamily="50" charset="-127"/>
-                </a:rPr>
-                <a:t>C </a:t>
-              </a:r>
-              <a:r>
-                <a:rPr lang="ko-KR" altLang="en-US" sz="2500" b="1" dirty="0">
-                  <a:latin typeface="함초롬돋움" panose="020B0604000101010101" pitchFamily="50" charset="-127"/>
-                  <a:ea typeface="함초롬돋움" panose="020B0604000101010101" pitchFamily="50" charset="-127"/>
-                  <a:cs typeface="함초롬돋움" panose="020B0604000101010101" pitchFamily="50" charset="-127"/>
-                </a:rPr>
-                <a:t>모듈 연동 </a:t>
-              </a:r>
-            </a:p>
-          </p:txBody>
-        </p:sp>
-        <p:pic>
-          <p:nvPicPr>
-            <p:cNvPr id="51" name="그림 50">
+          </p:grpSpPr>
+          <p:sp>
+            <p:nvSpPr>
+              <p:cNvPr id="50" name="TextBox 49">
+                <a:extLst>
+                  <a:ext uri="{FF2B5EF4-FFF2-40B4-BE49-F238E27FC236}">
+                    <a16:creationId xmlns:a16="http://schemas.microsoft.com/office/drawing/2014/main" id="{5B511E38-4426-4F07-AB4A-BC1B8F66EE05}"/>
+                  </a:ext>
+                </a:extLst>
+              </p:cNvPr>
+              <p:cNvSpPr txBox="1"/>
+              <p:nvPr/>
+            </p:nvSpPr>
+            <p:spPr>
+              <a:xfrm>
+                <a:off x="3690331" y="2566050"/>
+                <a:ext cx="4806446" cy="564788"/>
+              </a:xfrm>
+              <a:prstGeom prst="rect">
+                <a:avLst/>
+              </a:prstGeom>
+              <a:noFill/>
+            </p:spPr>
+            <p:txBody>
+              <a:bodyPr wrap="square" rtlCol="0">
+                <a:spAutoFit/>
+              </a:bodyPr>
+              <a:lstStyle/>
+              <a:p>
+                <a:r>
+                  <a:rPr lang="ko-KR" altLang="en-US" sz="2500" b="1" dirty="0">
+                    <a:latin typeface="함초롬돋움" panose="020B0604000101010101" pitchFamily="50" charset="-127"/>
+                    <a:ea typeface="함초롬돋움" panose="020B0604000101010101" pitchFamily="50" charset="-127"/>
+                    <a:cs typeface="함초롬돋움" panose="020B0604000101010101" pitchFamily="50" charset="-127"/>
+                  </a:rPr>
+                  <a:t>  </a:t>
+                </a:r>
+                <a:r>
+                  <a:rPr lang="en-US" altLang="ko-KR" sz="2500" b="1" dirty="0">
+                    <a:latin typeface="함초롬돋움" panose="020B0604000101010101" pitchFamily="50" charset="-127"/>
+                    <a:ea typeface="함초롬돋움" panose="020B0604000101010101" pitchFamily="50" charset="-127"/>
+                    <a:cs typeface="함초롬돋움" panose="020B0604000101010101" pitchFamily="50" charset="-127"/>
+                  </a:rPr>
+                  <a:t>C </a:t>
+                </a:r>
+                <a:r>
+                  <a:rPr lang="ko-KR" altLang="en-US" sz="2500" b="1" dirty="0">
+                    <a:latin typeface="함초롬돋움" panose="020B0604000101010101" pitchFamily="50" charset="-127"/>
+                    <a:ea typeface="함초롬돋움" panose="020B0604000101010101" pitchFamily="50" charset="-127"/>
+                    <a:cs typeface="함초롬돋움" panose="020B0604000101010101" pitchFamily="50" charset="-127"/>
+                  </a:rPr>
+                  <a:t>모듈 연동 </a:t>
+                </a:r>
+              </a:p>
+            </p:txBody>
+          </p:sp>
+          <p:pic>
+            <p:nvPicPr>
+              <p:cNvPr id="51" name="그림 50">
+                <a:extLst>
+                  <a:ext uri="{FF2B5EF4-FFF2-40B4-BE49-F238E27FC236}">
+                    <a16:creationId xmlns:a16="http://schemas.microsoft.com/office/drawing/2014/main" id="{BC6E9534-5BFD-4F59-84E2-24BB9C19E4A9}"/>
+                  </a:ext>
+                </a:extLst>
+              </p:cNvPr>
+              <p:cNvPicPr>
+                <a:picLocks noChangeAspect="1"/>
+              </p:cNvPicPr>
+              <p:nvPr/>
+            </p:nvPicPr>
+            <p:blipFill>
+              <a:blip r:embed="rId10">
+                <a:extLst>
+                  <a:ext uri="{28A0092B-C50C-407E-A947-70E740481C1C}">
+                    <a14:useLocalDpi xmlns:a14="http://schemas.microsoft.com/office/drawing/2010/main" val="0"/>
+                  </a:ext>
+                </a:extLst>
+              </a:blip>
+              <a:stretch>
+                <a:fillRect/>
+              </a:stretch>
+            </p:blipFill>
+            <p:spPr>
+              <a:xfrm>
+                <a:off x="3048097" y="2530961"/>
+                <a:ext cx="628405" cy="628405"/>
+              </a:xfrm>
+              <a:prstGeom prst="rect">
+                <a:avLst/>
+              </a:prstGeom>
+            </p:spPr>
+          </p:pic>
+        </p:grpSp>
+        <p:grpSp>
+          <p:nvGrpSpPr>
+            <p:cNvPr id="47" name="그룹 46">
               <a:extLst>
                 <a:ext uri="{FF2B5EF4-FFF2-40B4-BE49-F238E27FC236}">
-                  <a16:creationId xmlns:a16="http://schemas.microsoft.com/office/drawing/2014/main" id="{BC6E9534-5BFD-4F59-84E2-24BB9C19E4A9}"/>
+                  <a16:creationId xmlns:a16="http://schemas.microsoft.com/office/drawing/2014/main" id="{82249582-2A20-4697-BED8-BA16EC7FE3A9}"/>
                 </a:ext>
               </a:extLst>
             </p:cNvPr>
-            <p:cNvPicPr>
-              <a:picLocks noChangeAspect="1"/>
-            </p:cNvPicPr>
+            <p:cNvGrpSpPr/>
             <p:nvPr/>
-          </p:nvPicPr>
-          <p:blipFill>
-            <a:blip r:embed="rId10">
-              <a:extLst>
-                <a:ext uri="{28A0092B-C50C-407E-A947-70E740481C1C}">
-                  <a14:useLocalDpi xmlns:a14="http://schemas.microsoft.com/office/drawing/2010/main" val="0"/>
-                </a:ext>
-              </a:extLst>
-            </a:blip>
-            <a:stretch>
-              <a:fillRect/>
-            </a:stretch>
-          </p:blipFill>
-          <p:spPr>
+          </p:nvGrpSpPr>
+          <p:grpSpPr>
             <a:xfrm>
-              <a:off x="3048097" y="2530961"/>
-              <a:ext cx="628405" cy="628405"/>
+              <a:off x="6311544" y="2974585"/>
+              <a:ext cx="5032587" cy="481594"/>
+              <a:chOff x="3127274" y="3393871"/>
+              <a:chExt cx="6240076" cy="570163"/>
             </a:xfrm>
-            <a:prstGeom prst="rect">
-              <a:avLst/>
-            </a:prstGeom>
-          </p:spPr>
-        </p:pic>
-      </p:grpSp>
-      <p:grpSp>
-        <p:nvGrpSpPr>
-          <p:cNvPr id="47" name="그룹 46">
-            <a:extLst>
-              <a:ext uri="{FF2B5EF4-FFF2-40B4-BE49-F238E27FC236}">
-                <a16:creationId xmlns:a16="http://schemas.microsoft.com/office/drawing/2014/main" id="{82249582-2A20-4697-BED8-BA16EC7FE3A9}"/>
-              </a:ext>
-            </a:extLst>
-          </p:cNvPr>
-          <p:cNvGrpSpPr/>
-          <p:nvPr/>
-        </p:nvGrpSpPr>
-        <p:grpSpPr>
-          <a:xfrm>
-            <a:off x="6311544" y="2974585"/>
-            <a:ext cx="5032587" cy="481594"/>
-            <a:chOff x="3127274" y="3393871"/>
-            <a:chExt cx="6240076" cy="570163"/>
-          </a:xfrm>
-        </p:grpSpPr>
-        <p:sp>
-          <p:nvSpPr>
-            <p:cNvPr id="48" name="TextBox 47">
-              <a:extLst>
-                <a:ext uri="{FF2B5EF4-FFF2-40B4-BE49-F238E27FC236}">
-                  <a16:creationId xmlns:a16="http://schemas.microsoft.com/office/drawing/2014/main" id="{92DEBB65-1153-487F-A39C-E313975BC819}"/>
-                </a:ext>
-              </a:extLst>
-            </p:cNvPr>
-            <p:cNvSpPr txBox="1"/>
-            <p:nvPr/>
-          </p:nvSpPr>
-          <p:spPr>
-            <a:xfrm>
-              <a:off x="3690331" y="3393871"/>
-              <a:ext cx="5677019" cy="564788"/>
-            </a:xfrm>
-            <a:prstGeom prst="rect">
-              <a:avLst/>
-            </a:prstGeom>
-            <a:noFill/>
-          </p:spPr>
-          <p:txBody>
-            <a:bodyPr wrap="square" rtlCol="0">
-              <a:spAutoFit/>
-            </a:bodyPr>
-            <a:lstStyle/>
-            <a:p>
-              <a:r>
-                <a:rPr lang="ko-KR" altLang="en-US" sz="2500" b="1" dirty="0">
-                  <a:latin typeface="함초롬돋움" panose="020B0604000101010101" pitchFamily="50" charset="-127"/>
-                  <a:ea typeface="함초롬돋움" panose="020B0604000101010101" pitchFamily="50" charset="-127"/>
-                  <a:cs typeface="함초롬돋움" panose="020B0604000101010101" pitchFamily="50" charset="-127"/>
-                </a:rPr>
-                <a:t>  </a:t>
-              </a:r>
-              <a:r>
-                <a:rPr lang="ko-KR" altLang="en-US" sz="2500" b="1" dirty="0" err="1">
-                  <a:latin typeface="함초롬돋움" panose="020B0604000101010101" pitchFamily="50" charset="-127"/>
-                  <a:ea typeface="함초롬돋움" panose="020B0604000101010101" pitchFamily="50" charset="-127"/>
-                  <a:cs typeface="함초롬돋움" panose="020B0604000101010101" pitchFamily="50" charset="-127"/>
-                </a:rPr>
-                <a:t>텔레그램봇</a:t>
-              </a:r>
-              <a:r>
-                <a:rPr lang="ko-KR" altLang="en-US" sz="2500" b="1" dirty="0">
-                  <a:latin typeface="함초롬돋움" panose="020B0604000101010101" pitchFamily="50" charset="-127"/>
-                  <a:ea typeface="함초롬돋움" panose="020B0604000101010101" pitchFamily="50" charset="-127"/>
-                  <a:cs typeface="함초롬돋움" panose="020B0604000101010101" pitchFamily="50" charset="-127"/>
-                </a:rPr>
-                <a:t> 기능</a:t>
-              </a:r>
-            </a:p>
-          </p:txBody>
-        </p:sp>
-        <p:pic>
-          <p:nvPicPr>
-            <p:cNvPr id="49" name="그림 48">
-              <a:extLst>
-                <a:ext uri="{FF2B5EF4-FFF2-40B4-BE49-F238E27FC236}">
-                  <a16:creationId xmlns:a16="http://schemas.microsoft.com/office/drawing/2014/main" id="{2B7862D3-60EF-404B-B484-AE932D2CE7B2}"/>
-                </a:ext>
-              </a:extLst>
-            </p:cNvPr>
-            <p:cNvPicPr>
-              <a:picLocks noChangeAspect="1"/>
-            </p:cNvPicPr>
-            <p:nvPr/>
-          </p:nvPicPr>
-          <p:blipFill>
-            <a:blip r:embed="rId11">
-              <a:extLst>
-                <a:ext uri="{28A0092B-C50C-407E-A947-70E740481C1C}">
-                  <a14:useLocalDpi xmlns:a14="http://schemas.microsoft.com/office/drawing/2010/main" val="0"/>
-                </a:ext>
-              </a:extLst>
-            </a:blip>
-            <a:stretch>
-              <a:fillRect/>
-            </a:stretch>
-          </p:blipFill>
-          <p:spPr>
-            <a:xfrm>
-              <a:off x="3127274" y="3414806"/>
-              <a:ext cx="549228" cy="549228"/>
-            </a:xfrm>
-            <a:prstGeom prst="rect">
-              <a:avLst/>
-            </a:prstGeom>
-          </p:spPr>
-        </p:pic>
+          </p:grpSpPr>
+          <p:sp>
+            <p:nvSpPr>
+              <p:cNvPr id="48" name="TextBox 47">
+                <a:extLst>
+                  <a:ext uri="{FF2B5EF4-FFF2-40B4-BE49-F238E27FC236}">
+                    <a16:creationId xmlns:a16="http://schemas.microsoft.com/office/drawing/2014/main" id="{92DEBB65-1153-487F-A39C-E313975BC819}"/>
+                  </a:ext>
+                </a:extLst>
+              </p:cNvPr>
+              <p:cNvSpPr txBox="1"/>
+              <p:nvPr/>
+            </p:nvSpPr>
+            <p:spPr>
+              <a:xfrm>
+                <a:off x="3690331" y="3393871"/>
+                <a:ext cx="5677019" cy="564788"/>
+              </a:xfrm>
+              <a:prstGeom prst="rect">
+                <a:avLst/>
+              </a:prstGeom>
+              <a:noFill/>
+            </p:spPr>
+            <p:txBody>
+              <a:bodyPr wrap="square" rtlCol="0">
+                <a:spAutoFit/>
+              </a:bodyPr>
+              <a:lstStyle/>
+              <a:p>
+                <a:r>
+                  <a:rPr lang="ko-KR" altLang="en-US" sz="2500" b="1" dirty="0">
+                    <a:latin typeface="함초롬돋움" panose="020B0604000101010101" pitchFamily="50" charset="-127"/>
+                    <a:ea typeface="함초롬돋움" panose="020B0604000101010101" pitchFamily="50" charset="-127"/>
+                    <a:cs typeface="함초롬돋움" panose="020B0604000101010101" pitchFamily="50" charset="-127"/>
+                  </a:rPr>
+                  <a:t>  </a:t>
+                </a:r>
+                <a:r>
+                  <a:rPr lang="ko-KR" altLang="en-US" sz="2500" b="1" dirty="0" err="1">
+                    <a:latin typeface="함초롬돋움" panose="020B0604000101010101" pitchFamily="50" charset="-127"/>
+                    <a:ea typeface="함초롬돋움" panose="020B0604000101010101" pitchFamily="50" charset="-127"/>
+                    <a:cs typeface="함초롬돋움" panose="020B0604000101010101" pitchFamily="50" charset="-127"/>
+                  </a:rPr>
+                  <a:t>텔레그램봇</a:t>
+                </a:r>
+                <a:r>
+                  <a:rPr lang="ko-KR" altLang="en-US" sz="2500" b="1" dirty="0">
+                    <a:latin typeface="함초롬돋움" panose="020B0604000101010101" pitchFamily="50" charset="-127"/>
+                    <a:ea typeface="함초롬돋움" panose="020B0604000101010101" pitchFamily="50" charset="-127"/>
+                    <a:cs typeface="함초롬돋움" panose="020B0604000101010101" pitchFamily="50" charset="-127"/>
+                  </a:rPr>
+                  <a:t> 기능</a:t>
+                </a:r>
+              </a:p>
+            </p:txBody>
+          </p:sp>
+          <p:pic>
+            <p:nvPicPr>
+              <p:cNvPr id="49" name="그림 48">
+                <a:extLst>
+                  <a:ext uri="{FF2B5EF4-FFF2-40B4-BE49-F238E27FC236}">
+                    <a16:creationId xmlns:a16="http://schemas.microsoft.com/office/drawing/2014/main" id="{2B7862D3-60EF-404B-B484-AE932D2CE7B2}"/>
+                  </a:ext>
+                </a:extLst>
+              </p:cNvPr>
+              <p:cNvPicPr>
+                <a:picLocks noChangeAspect="1"/>
+              </p:cNvPicPr>
+              <p:nvPr/>
+            </p:nvPicPr>
+            <p:blipFill>
+              <a:blip r:embed="rId11">
+                <a:extLst>
+                  <a:ext uri="{28A0092B-C50C-407E-A947-70E740481C1C}">
+                    <a14:useLocalDpi xmlns:a14="http://schemas.microsoft.com/office/drawing/2010/main" val="0"/>
+                  </a:ext>
+                </a:extLst>
+              </a:blip>
+              <a:stretch>
+                <a:fillRect/>
+              </a:stretch>
+            </p:blipFill>
+            <p:spPr>
+              <a:xfrm>
+                <a:off x="3127274" y="3414806"/>
+                <a:ext cx="549228" cy="549228"/>
+              </a:xfrm>
+              <a:prstGeom prst="rect">
+                <a:avLst/>
+              </a:prstGeom>
+            </p:spPr>
+          </p:pic>
+        </p:grpSp>
       </p:grpSp>
     </p:spTree>
     <p:extLst>
